--- a/Archimate/Archimate Curso/Curso Archimate - Aula 3.pptx
+++ b/Archimate/Archimate Curso/Curso Archimate - Aula 3.pptx
@@ -7,20 +7,20 @@
   <p:sldIdLst>
     <p:sldId id="257" r:id="rId2"/>
     <p:sldId id="258" r:id="rId3"/>
-    <p:sldId id="259" r:id="rId4"/>
-    <p:sldId id="273" r:id="rId5"/>
-    <p:sldId id="274" r:id="rId6"/>
-    <p:sldId id="275" r:id="rId7"/>
-    <p:sldId id="262" r:id="rId8"/>
+    <p:sldId id="283" r:id="rId4"/>
+    <p:sldId id="259" r:id="rId5"/>
+    <p:sldId id="273" r:id="rId6"/>
+    <p:sldId id="274" r:id="rId7"/>
+    <p:sldId id="275" r:id="rId8"/>
     <p:sldId id="263" r:id="rId9"/>
-    <p:sldId id="264" r:id="rId10"/>
-    <p:sldId id="265" r:id="rId11"/>
-    <p:sldId id="266" r:id="rId12"/>
-    <p:sldId id="267" r:id="rId13"/>
-    <p:sldId id="268" r:id="rId14"/>
+    <p:sldId id="276" r:id="rId10"/>
+    <p:sldId id="277" r:id="rId11"/>
+    <p:sldId id="278" r:id="rId12"/>
+    <p:sldId id="279" r:id="rId13"/>
+    <p:sldId id="280" r:id="rId14"/>
     <p:sldId id="269" r:id="rId15"/>
-    <p:sldId id="270" r:id="rId16"/>
-    <p:sldId id="271" r:id="rId17"/>
+    <p:sldId id="282" r:id="rId16"/>
+    <p:sldId id="281" r:id="rId17"/>
     <p:sldId id="272" r:id="rId18"/>
   </p:sldIdLst>
   <p:sldSz cx="9144000" cy="6858000" type="screen4x3"/>
@@ -304,7 +304,7 @@
           <a:p>
             <a:fld id="{E70C75A7-DEA4-EB4A-902A-8E87660DDA55}" type="datetimeFigureOut">
               <a:rPr lang="en-US" smtClean="0"/>
-              <a:t>29/01/18</a:t>
+              <a:t>30/01/18</a:t>
             </a:fld>
             <a:endParaRPr lang="en-US"/>
           </a:p>
@@ -474,7 +474,7 @@
           <a:p>
             <a:fld id="{E70C75A7-DEA4-EB4A-902A-8E87660DDA55}" type="datetimeFigureOut">
               <a:rPr lang="en-US" smtClean="0"/>
-              <a:t>29/01/18</a:t>
+              <a:t>30/01/18</a:t>
             </a:fld>
             <a:endParaRPr lang="en-US"/>
           </a:p>
@@ -654,7 +654,7 @@
           <a:p>
             <a:fld id="{E70C75A7-DEA4-EB4A-902A-8E87660DDA55}" type="datetimeFigureOut">
               <a:rPr lang="en-US" smtClean="0"/>
-              <a:t>29/01/18</a:t>
+              <a:t>30/01/18</a:t>
             </a:fld>
             <a:endParaRPr lang="en-US"/>
           </a:p>
@@ -824,7 +824,7 @@
           <a:p>
             <a:fld id="{E70C75A7-DEA4-EB4A-902A-8E87660DDA55}" type="datetimeFigureOut">
               <a:rPr lang="en-US" smtClean="0"/>
-              <a:t>29/01/18</a:t>
+              <a:t>30/01/18</a:t>
             </a:fld>
             <a:endParaRPr lang="en-US"/>
           </a:p>
@@ -1070,7 +1070,7 @@
           <a:p>
             <a:fld id="{E70C75A7-DEA4-EB4A-902A-8E87660DDA55}" type="datetimeFigureOut">
               <a:rPr lang="en-US" smtClean="0"/>
-              <a:t>29/01/18</a:t>
+              <a:t>30/01/18</a:t>
             </a:fld>
             <a:endParaRPr lang="en-US"/>
           </a:p>
@@ -1358,7 +1358,7 @@
           <a:p>
             <a:fld id="{E70C75A7-DEA4-EB4A-902A-8E87660DDA55}" type="datetimeFigureOut">
               <a:rPr lang="en-US" smtClean="0"/>
-              <a:t>29/01/18</a:t>
+              <a:t>30/01/18</a:t>
             </a:fld>
             <a:endParaRPr lang="en-US"/>
           </a:p>
@@ -1780,7 +1780,7 @@
           <a:p>
             <a:fld id="{E70C75A7-DEA4-EB4A-902A-8E87660DDA55}" type="datetimeFigureOut">
               <a:rPr lang="en-US" smtClean="0"/>
-              <a:t>29/01/18</a:t>
+              <a:t>30/01/18</a:t>
             </a:fld>
             <a:endParaRPr lang="en-US"/>
           </a:p>
@@ -1898,7 +1898,7 @@
           <a:p>
             <a:fld id="{E70C75A7-DEA4-EB4A-902A-8E87660DDA55}" type="datetimeFigureOut">
               <a:rPr lang="en-US" smtClean="0"/>
-              <a:t>29/01/18</a:t>
+              <a:t>30/01/18</a:t>
             </a:fld>
             <a:endParaRPr lang="en-US"/>
           </a:p>
@@ -1993,7 +1993,7 @@
           <a:p>
             <a:fld id="{E70C75A7-DEA4-EB4A-902A-8E87660DDA55}" type="datetimeFigureOut">
               <a:rPr lang="en-US" smtClean="0"/>
-              <a:t>29/01/18</a:t>
+              <a:t>30/01/18</a:t>
             </a:fld>
             <a:endParaRPr lang="en-US"/>
           </a:p>
@@ -2270,7 +2270,7 @@
           <a:p>
             <a:fld id="{E70C75A7-DEA4-EB4A-902A-8E87660DDA55}" type="datetimeFigureOut">
               <a:rPr lang="en-US" smtClean="0"/>
-              <a:t>29/01/18</a:t>
+              <a:t>30/01/18</a:t>
             </a:fld>
             <a:endParaRPr lang="en-US"/>
           </a:p>
@@ -2523,7 +2523,7 @@
           <a:p>
             <a:fld id="{E70C75A7-DEA4-EB4A-902A-8E87660DDA55}" type="datetimeFigureOut">
               <a:rPr lang="en-US" smtClean="0"/>
-              <a:t>29/01/18</a:t>
+              <a:t>30/01/18</a:t>
             </a:fld>
             <a:endParaRPr lang="en-US"/>
           </a:p>
@@ -2736,7 +2736,7 @@
           <a:p>
             <a:fld id="{E70C75A7-DEA4-EB4A-902A-8E87660DDA55}" type="datetimeFigureOut">
               <a:rPr lang="en-US" smtClean="0"/>
-              <a:t>29/01/18</a:t>
+              <a:t>30/01/18</a:t>
             </a:fld>
             <a:endParaRPr lang="en-US"/>
           </a:p>
@@ -3159,15 +3159,7 @@
           <a:p>
             <a:r>
               <a:rPr lang="en-US" dirty="0" smtClean="0"/>
-              <a:t>Aula 3 </a:t>
-            </a:r>
-            <a:r>
-              <a:rPr lang="en-US" dirty="0" smtClean="0"/>
-              <a:t>–</a:t>
-            </a:r>
-            <a:r>
-              <a:rPr lang="en-US" dirty="0" smtClean="0"/>
-              <a:t> </a:t>
+              <a:t>Aula 3 – </a:t>
             </a:r>
             <a:r>
               <a:rPr lang="en-US" dirty="0" err="1" smtClean="0"/>
@@ -3227,33 +3219,59 @@
         </p:nvSpPr>
         <p:spPr>
           <a:xfrm>
-            <a:off x="457200" y="635034"/>
-            <a:ext cx="8229600" cy="5491129"/>
-          </a:xfrm>
-        </p:spPr>
-        <p:txBody>
-          <a:bodyPr/>
-          <a:lstStyle/>
-          <a:p>
-            <a:r>
-              <a:rPr lang="uz-Cyrl-UZ" i="1" dirty="0"/>
-              <a:t>Outcome - </a:t>
-            </a:r>
-            <a:r>
-              <a:rPr lang="uz-Cyrl-UZ" dirty="0"/>
-              <a:t>Indica um resultado alcançado pela </a:t>
-            </a:r>
+            <a:off x="457200" y="1750886"/>
+            <a:ext cx="8229600" cy="2317486"/>
+          </a:xfrm>
+        </p:spPr>
+        <p:txBody>
+          <a:bodyPr/>
+          <a:lstStyle/>
+          <a:p>
             <a:r>
               <a:rPr lang="uz-Cyrl-UZ" dirty="0" smtClean="0"/>
-              <a:t>organização</a:t>
+              <a:t>Indica um resultado alcançado pela organização</a:t>
             </a:r>
             <a:endParaRPr lang="pt-BR" dirty="0"/>
+          </a:p>
+        </p:txBody>
+      </p:sp>
+      <p:sp>
+        <p:nvSpPr>
+          <p:cNvPr id="10" name="Title 9"/>
+          <p:cNvSpPr txBox="1">
+            <a:spLocks noGrp="1"/>
+          </p:cNvSpPr>
+          <p:nvPr>
+            <p:ph type="title"/>
+          </p:nvPr>
+        </p:nvSpPr>
+        <p:spPr>
+          <a:xfrm>
+            <a:off x="457200" y="250279"/>
+            <a:ext cx="8229600" cy="769441"/>
+          </a:xfrm>
+          <a:prstGeom prst="rect">
+            <a:avLst/>
+          </a:prstGeom>
+          <a:noFill/>
+        </p:spPr>
+        <p:txBody>
+          <a:bodyPr wrap="square" rtlCol="0">
+            <a:spAutoFit/>
+          </a:bodyPr>
+          <a:lstStyle/>
+          <a:p>
+            <a:r>
+              <a:rPr lang="uz-Cyrl-UZ" i="1" dirty="0" smtClean="0"/>
+              <a:t>Outcome</a:t>
+            </a:r>
+            <a:endParaRPr lang="en-US" dirty="0"/>
           </a:p>
         </p:txBody>
       </p:sp>
       <p:pic>
         <p:nvPicPr>
-          <p:cNvPr id="5" name="image104.png"/>
+          <p:cNvPr id="6" name="image104.png"/>
           <p:cNvPicPr/>
           <p:nvPr/>
         </p:nvPicPr>
@@ -3266,8 +3284,8 @@
         </p:blipFill>
         <p:spPr>
           <a:xfrm>
-            <a:off x="3740150" y="3035300"/>
-            <a:ext cx="1663700" cy="787400"/>
+            <a:off x="3014403" y="4068371"/>
+            <a:ext cx="3104963" cy="1474113"/>
           </a:xfrm>
           <a:prstGeom prst="rect">
             <a:avLst/>
@@ -3278,13 +3296,20 @@
     </p:spTree>
     <p:extLst>
       <p:ext uri="{BB962C8B-B14F-4D97-AF65-F5344CB8AC3E}">
-        <p14:creationId xmlns:p14="http://schemas.microsoft.com/office/powerpoint/2010/main" val="690422831"/>
+        <p14:creationId xmlns:p14="http://schemas.microsoft.com/office/powerpoint/2010/main" val="537452265"/>
       </p:ext>
     </p:extLst>
   </p:cSld>
   <p:clrMapOvr>
     <a:masterClrMapping/>
   </p:clrMapOvr>
+  <p:timing>
+    <p:tnLst>
+      <p:par>
+        <p:cTn xmlns:p14="http://schemas.microsoft.com/office/powerpoint/2010/main" id="1" dur="indefinite" restart="never" nodeType="tmRoot"/>
+      </p:par>
+    </p:tnLst>
+  </p:timing>
 </p:sld>
 </file>
 
@@ -3317,27 +3342,53 @@
         </p:nvSpPr>
         <p:spPr>
           <a:xfrm>
-            <a:off x="457200" y="635034"/>
-            <a:ext cx="8229600" cy="5491129"/>
-          </a:xfrm>
-        </p:spPr>
-        <p:txBody>
-          <a:bodyPr/>
-          <a:lstStyle/>
-          <a:p>
-            <a:r>
-              <a:rPr lang="uz-Cyrl-UZ" i="1" dirty="0"/>
-              <a:t>Principle </a:t>
-            </a:r>
-            <a:r>
-              <a:rPr lang="uz-Cyrl-UZ" dirty="0"/>
-              <a:t>-  Indica um estado ou intenção que deve ser cumprida/alcançada pela </a:t>
-            </a:r>
+            <a:off x="457200" y="1750886"/>
+            <a:ext cx="8229600" cy="2317486"/>
+          </a:xfrm>
+        </p:spPr>
+        <p:txBody>
+          <a:bodyPr/>
+          <a:lstStyle/>
+          <a:p>
             <a:r>
               <a:rPr lang="uz-Cyrl-UZ" dirty="0" smtClean="0"/>
-              <a:t>organização</a:t>
+              <a:t>Indica um estado ou intenção que deve ser cumprida/alcançada pela organização</a:t>
             </a:r>
             <a:endParaRPr lang="pt-BR" dirty="0"/>
+          </a:p>
+        </p:txBody>
+      </p:sp>
+      <p:sp>
+        <p:nvSpPr>
+          <p:cNvPr id="10" name="Title 9"/>
+          <p:cNvSpPr txBox="1">
+            <a:spLocks noGrp="1"/>
+          </p:cNvSpPr>
+          <p:nvPr>
+            <p:ph type="title"/>
+          </p:nvPr>
+        </p:nvSpPr>
+        <p:spPr>
+          <a:xfrm>
+            <a:off x="457200" y="250279"/>
+            <a:ext cx="8229600" cy="769441"/>
+          </a:xfrm>
+          <a:prstGeom prst="rect">
+            <a:avLst/>
+          </a:prstGeom>
+          <a:noFill/>
+        </p:spPr>
+        <p:txBody>
+          <a:bodyPr wrap="square" rtlCol="0">
+            <a:spAutoFit/>
+          </a:bodyPr>
+          <a:lstStyle/>
+          <a:p>
+            <a:r>
+              <a:rPr lang="uz-Cyrl-UZ" i="1" dirty="0" smtClean="0"/>
+              <a:t>Principle</a:t>
+            </a:r>
+            <a:endParaRPr lang="en-US" dirty="0"/>
           </a:p>
         </p:txBody>
       </p:sp>
@@ -3356,8 +3407,8 @@
         </p:blipFill>
         <p:spPr>
           <a:xfrm>
-            <a:off x="3797300" y="3086100"/>
-            <a:ext cx="1549400" cy="685800"/>
+            <a:off x="3022599" y="4068371"/>
+            <a:ext cx="3113261" cy="1474113"/>
           </a:xfrm>
           <a:prstGeom prst="rect">
             <a:avLst/>
@@ -3368,13 +3419,20 @@
     </p:spTree>
     <p:extLst>
       <p:ext uri="{BB962C8B-B14F-4D97-AF65-F5344CB8AC3E}">
-        <p14:creationId xmlns:p14="http://schemas.microsoft.com/office/powerpoint/2010/main" val="32339093"/>
+        <p14:creationId xmlns:p14="http://schemas.microsoft.com/office/powerpoint/2010/main" val="4205474199"/>
       </p:ext>
     </p:extLst>
   </p:cSld>
   <p:clrMapOvr>
     <a:masterClrMapping/>
   </p:clrMapOvr>
+  <p:timing>
+    <p:tnLst>
+      <p:par>
+        <p:cTn xmlns:p14="http://schemas.microsoft.com/office/powerpoint/2010/main" id="1" dur="indefinite" restart="never" nodeType="tmRoot"/>
+      </p:par>
+    </p:tnLst>
+  </p:timing>
 </p:sld>
 </file>
 
@@ -3407,33 +3465,59 @@
         </p:nvSpPr>
         <p:spPr>
           <a:xfrm>
-            <a:off x="457200" y="635034"/>
-            <a:ext cx="8229600" cy="5491129"/>
-          </a:xfrm>
-        </p:spPr>
-        <p:txBody>
-          <a:bodyPr/>
-          <a:lstStyle/>
-          <a:p>
-            <a:r>
-              <a:rPr lang="uz-Cyrl-UZ" i="1" dirty="0"/>
-              <a:t>Requirement </a:t>
-            </a:r>
-            <a:r>
-              <a:rPr lang="uz-Cyrl-UZ" dirty="0"/>
-              <a:t>- Indica um estado ou intenção que deve, obrigatóriamente, ser cumprida/alcançada pela </a:t>
-            </a:r>
+            <a:off x="457200" y="1750886"/>
+            <a:ext cx="8229600" cy="2317486"/>
+          </a:xfrm>
+        </p:spPr>
+        <p:txBody>
+          <a:bodyPr/>
+          <a:lstStyle/>
+          <a:p>
             <a:r>
               <a:rPr lang="uz-Cyrl-UZ" dirty="0" smtClean="0"/>
-              <a:t>organização</a:t>
+              <a:t>Indica um estado ou intenção que deve, obrigatóriamente, ser cumprida/alcançada pela organização</a:t>
             </a:r>
             <a:endParaRPr lang="pt-BR" dirty="0"/>
+          </a:p>
+        </p:txBody>
+      </p:sp>
+      <p:sp>
+        <p:nvSpPr>
+          <p:cNvPr id="10" name="Title 9"/>
+          <p:cNvSpPr txBox="1">
+            <a:spLocks noGrp="1"/>
+          </p:cNvSpPr>
+          <p:nvPr>
+            <p:ph type="title"/>
+          </p:nvPr>
+        </p:nvSpPr>
+        <p:spPr>
+          <a:xfrm>
+            <a:off x="457200" y="250279"/>
+            <a:ext cx="8229600" cy="769441"/>
+          </a:xfrm>
+          <a:prstGeom prst="rect">
+            <a:avLst/>
+          </a:prstGeom>
+          <a:noFill/>
+        </p:spPr>
+        <p:txBody>
+          <a:bodyPr wrap="square" rtlCol="0">
+            <a:spAutoFit/>
+          </a:bodyPr>
+          <a:lstStyle/>
+          <a:p>
+            <a:r>
+              <a:rPr lang="uz-Cyrl-UZ" i="1" dirty="0" smtClean="0"/>
+              <a:t>Requirement</a:t>
+            </a:r>
+            <a:endParaRPr lang="en-US" dirty="0"/>
           </a:p>
         </p:txBody>
       </p:sp>
       <p:pic>
         <p:nvPicPr>
-          <p:cNvPr id="4" name="image130.png"/>
+          <p:cNvPr id="6" name="image130.png"/>
           <p:cNvPicPr/>
           <p:nvPr/>
         </p:nvPicPr>
@@ -3446,8 +3530,8 @@
         </p:blipFill>
         <p:spPr>
           <a:xfrm>
-            <a:off x="2901950" y="3073400"/>
-            <a:ext cx="3340100" cy="711200"/>
+            <a:off x="1153560" y="4068372"/>
+            <a:ext cx="6879140" cy="1474113"/>
           </a:xfrm>
           <a:prstGeom prst="rect">
             <a:avLst/>
@@ -3458,13 +3542,20 @@
     </p:spTree>
     <p:extLst>
       <p:ext uri="{BB962C8B-B14F-4D97-AF65-F5344CB8AC3E}">
-        <p14:creationId xmlns:p14="http://schemas.microsoft.com/office/powerpoint/2010/main" val="129570081"/>
+        <p14:creationId xmlns:p14="http://schemas.microsoft.com/office/powerpoint/2010/main" val="1577602609"/>
       </p:ext>
     </p:extLst>
   </p:cSld>
   <p:clrMapOvr>
     <a:masterClrMapping/>
   </p:clrMapOvr>
+  <p:timing>
+    <p:tnLst>
+      <p:par>
+        <p:cTn xmlns:p14="http://schemas.microsoft.com/office/powerpoint/2010/main" id="1" dur="indefinite" restart="never" nodeType="tmRoot"/>
+      </p:par>
+    </p:tnLst>
+  </p:timing>
 </p:sld>
 </file>
 
@@ -3497,33 +3588,59 @@
         </p:nvSpPr>
         <p:spPr>
           <a:xfrm>
-            <a:off x="457200" y="635034"/>
-            <a:ext cx="8229600" cy="5491129"/>
-          </a:xfrm>
-        </p:spPr>
-        <p:txBody>
-          <a:bodyPr/>
-          <a:lstStyle/>
-          <a:p>
-            <a:r>
-              <a:rPr lang="uz-Cyrl-UZ" i="1" dirty="0"/>
+            <a:off x="457200" y="1750886"/>
+            <a:ext cx="8229600" cy="2317486"/>
+          </a:xfrm>
+        </p:spPr>
+        <p:txBody>
+          <a:bodyPr/>
+          <a:lstStyle/>
+          <a:p>
+            <a:r>
+              <a:rPr lang="uz-Cyrl-UZ" dirty="0" smtClean="0"/>
+              <a:t>Indica as limitações ou obstruções que impedem a organização de alcançar uma meta</a:t>
+            </a:r>
+            <a:endParaRPr lang="pt-BR" dirty="0"/>
+          </a:p>
+        </p:txBody>
+      </p:sp>
+      <p:sp>
+        <p:nvSpPr>
+          <p:cNvPr id="10" name="Title 9"/>
+          <p:cNvSpPr txBox="1">
+            <a:spLocks noGrp="1"/>
+          </p:cNvSpPr>
+          <p:nvPr>
+            <p:ph type="title"/>
+          </p:nvPr>
+        </p:nvSpPr>
+        <p:spPr>
+          <a:xfrm>
+            <a:off x="457200" y="250279"/>
+            <a:ext cx="8229600" cy="769441"/>
+          </a:xfrm>
+          <a:prstGeom prst="rect">
+            <a:avLst/>
+          </a:prstGeom>
+          <a:noFill/>
+        </p:spPr>
+        <p:txBody>
+          <a:bodyPr wrap="square" rtlCol="0">
+            <a:spAutoFit/>
+          </a:bodyPr>
+          <a:lstStyle/>
+          <a:p>
+            <a:r>
+              <a:rPr lang="uz-Cyrl-UZ" i="1" dirty="0" smtClean="0"/>
               <a:t>Constraint </a:t>
             </a:r>
-            <a:r>
-              <a:rPr lang="uz-Cyrl-UZ" dirty="0"/>
-              <a:t>- Indica as limitações ou obstruções que impedem a organização de alcançar uma </a:t>
-            </a:r>
-            <a:r>
-              <a:rPr lang="uz-Cyrl-UZ" dirty="0" smtClean="0"/>
-              <a:t>meta</a:t>
-            </a:r>
-            <a:endParaRPr lang="pt-BR" dirty="0"/>
+            <a:endParaRPr lang="en-US" dirty="0"/>
           </a:p>
         </p:txBody>
       </p:sp>
       <p:pic>
         <p:nvPicPr>
-          <p:cNvPr id="4" name="image26.png"/>
+          <p:cNvPr id="5" name="image26.png"/>
           <p:cNvPicPr/>
           <p:nvPr/>
         </p:nvPicPr>
@@ -3536,8 +3653,8 @@
         </p:blipFill>
         <p:spPr>
           <a:xfrm>
-            <a:off x="3022600" y="3098800"/>
-            <a:ext cx="3098800" cy="660400"/>
+            <a:off x="1153560" y="4068371"/>
+            <a:ext cx="6879140" cy="1474113"/>
           </a:xfrm>
           <a:prstGeom prst="rect">
             <a:avLst/>
@@ -3548,13 +3665,20 @@
     </p:spTree>
     <p:extLst>
       <p:ext uri="{BB962C8B-B14F-4D97-AF65-F5344CB8AC3E}">
-        <p14:creationId xmlns:p14="http://schemas.microsoft.com/office/powerpoint/2010/main" val="2668639011"/>
+        <p14:creationId xmlns:p14="http://schemas.microsoft.com/office/powerpoint/2010/main" val="1817486730"/>
       </p:ext>
     </p:extLst>
   </p:cSld>
   <p:clrMapOvr>
     <a:masterClrMapping/>
   </p:clrMapOvr>
+  <p:timing>
+    <p:tnLst>
+      <p:par>
+        <p:cTn xmlns:p14="http://schemas.microsoft.com/office/powerpoint/2010/main" id="1" dur="indefinite" restart="never" nodeType="tmRoot"/>
+      </p:par>
+    </p:tnLst>
+  </p:timing>
 </p:sld>
 </file>
 
@@ -3704,33 +3828,59 @@
         </p:nvSpPr>
         <p:spPr>
           <a:xfrm>
-            <a:off x="457200" y="635034"/>
-            <a:ext cx="8229600" cy="5491129"/>
-          </a:xfrm>
-        </p:spPr>
-        <p:txBody>
-          <a:bodyPr/>
-          <a:lstStyle/>
-          <a:p>
-            <a:r>
-              <a:rPr lang="uz-Cyrl-UZ" i="1" dirty="0"/>
-              <a:t>Meaning -  </a:t>
-            </a:r>
-            <a:r>
-              <a:rPr lang="uz-Cyrl-UZ" dirty="0"/>
-              <a:t>Representa o sentido ou significado de um elemento em seu contexto </a:t>
-            </a:r>
+            <a:off x="457200" y="1750886"/>
+            <a:ext cx="8229600" cy="2317486"/>
+          </a:xfrm>
+        </p:spPr>
+        <p:txBody>
+          <a:bodyPr/>
+          <a:lstStyle/>
+          <a:p>
             <a:r>
               <a:rPr lang="uz-Cyrl-UZ" dirty="0" smtClean="0"/>
-              <a:t>atual</a:t>
+              <a:t>Representa o sentido ou significado de um elemento em seu contexto atual</a:t>
             </a:r>
             <a:endParaRPr lang="pt-BR" dirty="0"/>
+          </a:p>
+        </p:txBody>
+      </p:sp>
+      <p:sp>
+        <p:nvSpPr>
+          <p:cNvPr id="10" name="Title 9"/>
+          <p:cNvSpPr txBox="1">
+            <a:spLocks noGrp="1"/>
+          </p:cNvSpPr>
+          <p:nvPr>
+            <p:ph type="title"/>
+          </p:nvPr>
+        </p:nvSpPr>
+        <p:spPr>
+          <a:xfrm>
+            <a:off x="457200" y="250279"/>
+            <a:ext cx="8229600" cy="769441"/>
+          </a:xfrm>
+          <a:prstGeom prst="rect">
+            <a:avLst/>
+          </a:prstGeom>
+          <a:noFill/>
+        </p:spPr>
+        <p:txBody>
+          <a:bodyPr wrap="square" rtlCol="0">
+            <a:spAutoFit/>
+          </a:bodyPr>
+          <a:lstStyle/>
+          <a:p>
+            <a:r>
+              <a:rPr lang="uz-Cyrl-UZ" i="1" dirty="0" smtClean="0"/>
+              <a:t>Meaning </a:t>
+            </a:r>
+            <a:endParaRPr lang="en-US" dirty="0"/>
           </a:p>
         </p:txBody>
       </p:sp>
       <p:pic>
         <p:nvPicPr>
-          <p:cNvPr id="4" name="image127.png"/>
+          <p:cNvPr id="5" name="image127.png"/>
           <p:cNvPicPr/>
           <p:nvPr/>
         </p:nvPicPr>
@@ -3743,8 +3893,8 @@
         </p:blipFill>
         <p:spPr>
           <a:xfrm>
-            <a:off x="3740150" y="3035300"/>
-            <a:ext cx="1663700" cy="787400"/>
+            <a:off x="3014403" y="3761035"/>
+            <a:ext cx="3104964" cy="1451473"/>
           </a:xfrm>
           <a:prstGeom prst="rect">
             <a:avLst/>
@@ -3755,13 +3905,20 @@
     </p:spTree>
     <p:extLst>
       <p:ext uri="{BB962C8B-B14F-4D97-AF65-F5344CB8AC3E}">
-        <p14:creationId xmlns:p14="http://schemas.microsoft.com/office/powerpoint/2010/main" val="265113118"/>
+        <p14:creationId xmlns:p14="http://schemas.microsoft.com/office/powerpoint/2010/main" val="3561211491"/>
       </p:ext>
     </p:extLst>
   </p:cSld>
   <p:clrMapOvr>
     <a:masterClrMapping/>
   </p:clrMapOvr>
+  <p:timing>
+    <p:tnLst>
+      <p:par>
+        <p:cTn xmlns:p14="http://schemas.microsoft.com/office/powerpoint/2010/main" id="1" dur="indefinite" restart="never" nodeType="tmRoot"/>
+      </p:par>
+    </p:tnLst>
+  </p:timing>
 </p:sld>
 </file>
 
@@ -3794,33 +3951,59 @@
         </p:nvSpPr>
         <p:spPr>
           <a:xfrm>
-            <a:off x="457200" y="635034"/>
-            <a:ext cx="8229600" cy="5491129"/>
-          </a:xfrm>
-        </p:spPr>
-        <p:txBody>
-          <a:bodyPr/>
-          <a:lstStyle/>
-          <a:p>
-            <a:r>
-              <a:rPr lang="uz-Cyrl-UZ" i="1" dirty="0"/>
-              <a:t>Value - </a:t>
-            </a:r>
-            <a:r>
-              <a:rPr lang="uz-Cyrl-UZ" dirty="0"/>
-              <a:t>Representa valor, utilidade ou importância de um </a:t>
-            </a:r>
+            <a:off x="457200" y="1750886"/>
+            <a:ext cx="8229600" cy="2317486"/>
+          </a:xfrm>
+        </p:spPr>
+        <p:txBody>
+          <a:bodyPr/>
+          <a:lstStyle/>
+          <a:p>
             <a:r>
               <a:rPr lang="uz-Cyrl-UZ" dirty="0" smtClean="0"/>
-              <a:t>elemento</a:t>
+              <a:t>Representa valor, utilidade ou importância de um elemento</a:t>
             </a:r>
             <a:endParaRPr lang="pt-BR" dirty="0"/>
+          </a:p>
+        </p:txBody>
+      </p:sp>
+      <p:sp>
+        <p:nvSpPr>
+          <p:cNvPr id="10" name="Title 9"/>
+          <p:cNvSpPr txBox="1">
+            <a:spLocks noGrp="1"/>
+          </p:cNvSpPr>
+          <p:nvPr>
+            <p:ph type="title"/>
+          </p:nvPr>
+        </p:nvSpPr>
+        <p:spPr>
+          <a:xfrm>
+            <a:off x="457200" y="250279"/>
+            <a:ext cx="8229600" cy="769441"/>
+          </a:xfrm>
+          <a:prstGeom prst="rect">
+            <a:avLst/>
+          </a:prstGeom>
+          <a:noFill/>
+        </p:spPr>
+        <p:txBody>
+          <a:bodyPr wrap="square" rtlCol="0">
+            <a:spAutoFit/>
+          </a:bodyPr>
+          <a:lstStyle/>
+          <a:p>
+            <a:r>
+              <a:rPr lang="uz-Cyrl-UZ" i="1" dirty="0" smtClean="0"/>
+              <a:t>Value </a:t>
+            </a:r>
+            <a:endParaRPr lang="en-US" dirty="0"/>
           </a:p>
         </p:txBody>
       </p:sp>
       <p:pic>
         <p:nvPicPr>
-          <p:cNvPr id="4" name="image14.png"/>
+          <p:cNvPr id="6" name="image14.png"/>
           <p:cNvPicPr/>
           <p:nvPr/>
         </p:nvPicPr>
@@ -3833,8 +4016,8 @@
         </p:blipFill>
         <p:spPr>
           <a:xfrm>
-            <a:off x="3740150" y="3035300"/>
-            <a:ext cx="1663700" cy="787400"/>
+            <a:off x="3014403" y="4068372"/>
+            <a:ext cx="3121458" cy="1474112"/>
           </a:xfrm>
           <a:prstGeom prst="rect">
             <a:avLst/>
@@ -3845,13 +4028,20 @@
     </p:spTree>
     <p:extLst>
       <p:ext uri="{BB962C8B-B14F-4D97-AF65-F5344CB8AC3E}">
-        <p14:creationId xmlns:p14="http://schemas.microsoft.com/office/powerpoint/2010/main" val="1348061473"/>
+        <p14:creationId xmlns:p14="http://schemas.microsoft.com/office/powerpoint/2010/main" val="1161126166"/>
       </p:ext>
     </p:extLst>
   </p:cSld>
   <p:clrMapOvr>
     <a:masterClrMapping/>
   </p:clrMapOvr>
+  <p:timing>
+    <p:tnLst>
+      <p:par>
+        <p:cTn xmlns:p14="http://schemas.microsoft.com/office/powerpoint/2010/main" id="1" dur="indefinite" restart="never" nodeType="tmRoot"/>
+      </p:par>
+    </p:tnLst>
+  </p:timing>
 </p:sld>
 </file>
 
@@ -4295,70 +4485,40 @@
           <a:chExt cx="0" cy="0"/>
         </a:xfrm>
       </p:grpSpPr>
-      <p:sp>
-        <p:nvSpPr>
-          <p:cNvPr id="2" name="Title 1"/>
-          <p:cNvSpPr>
-            <a:spLocks noGrp="1"/>
-          </p:cNvSpPr>
-          <p:nvPr>
-            <p:ph type="title"/>
-          </p:nvPr>
-        </p:nvSpPr>
-        <p:spPr/>
-        <p:txBody>
-          <a:bodyPr/>
-          <a:lstStyle/>
-          <a:p>
-            <a:r>
-              <a:rPr lang="en-US" dirty="0" err="1" smtClean="0"/>
-              <a:t>Motivacional</a:t>
-            </a:r>
-            <a:endParaRPr lang="en-US" dirty="0"/>
-          </a:p>
-        </p:txBody>
-      </p:sp>
-      <p:sp>
-        <p:nvSpPr>
-          <p:cNvPr id="3" name="Content Placeholder 2"/>
-          <p:cNvSpPr>
-            <a:spLocks noGrp="1"/>
-          </p:cNvSpPr>
-          <p:nvPr>
-            <p:ph idx="1"/>
-          </p:nvPr>
-        </p:nvSpPr>
-        <p:spPr/>
-        <p:txBody>
-          <a:bodyPr/>
-          <a:lstStyle/>
-          <a:p>
-            <a:r>
-              <a:rPr lang="pt-BR" dirty="0" smtClean="0"/>
-              <a:t>Os elementos de motivação são usados para modelar as motivações ou razões que orientam o design ou as mudanças da Arquitetura</a:t>
-            </a:r>
-          </a:p>
-          <a:p>
-            <a:r>
-              <a:rPr lang="pt-BR" dirty="0" smtClean="0"/>
-              <a:t>Representa a coluna “Por que?” do </a:t>
-            </a:r>
-            <a:r>
-              <a:rPr lang="pt-BR" i="1" dirty="0" err="1" smtClean="0"/>
-              <a:t>Zachman</a:t>
-            </a:r>
-            <a:r>
-              <a:rPr lang="pt-BR" i="1" dirty="0" smtClean="0"/>
-              <a:t> Framework</a:t>
-            </a:r>
-            <a:endParaRPr lang="en-US" i="1" dirty="0"/>
-          </a:p>
-        </p:txBody>
-      </p:sp>
+      <p:pic>
+        <p:nvPicPr>
+          <p:cNvPr id="2" name="Picture 1" descr="Full ArchiMate Framework MotHi.png"/>
+          <p:cNvPicPr>
+            <a:picLocks noChangeAspect="1"/>
+          </p:cNvPicPr>
+          <p:nvPr/>
+        </p:nvPicPr>
+        <p:blipFill>
+          <a:blip r:embed="rId2">
+            <a:extLst>
+              <a:ext uri="{28A0092B-C50C-407E-A947-70E740481C1C}">
+                <a14:useLocalDpi xmlns:a14="http://schemas.microsoft.com/office/drawing/2010/main" val="0"/>
+              </a:ext>
+            </a:extLst>
+          </a:blip>
+          <a:stretch>
+            <a:fillRect/>
+          </a:stretch>
+        </p:blipFill>
+        <p:spPr>
+          <a:xfrm>
+            <a:off x="0" y="0"/>
+            <a:ext cx="9242818" cy="6858000"/>
+          </a:xfrm>
+          <a:prstGeom prst="rect">
+            <a:avLst/>
+          </a:prstGeom>
+        </p:spPr>
+      </p:pic>
     </p:spTree>
     <p:extLst>
       <p:ext uri="{BB962C8B-B14F-4D97-AF65-F5344CB8AC3E}">
-        <p14:creationId xmlns:p14="http://schemas.microsoft.com/office/powerpoint/2010/main" val="2231704448"/>
+        <p14:creationId xmlns:p14="http://schemas.microsoft.com/office/powerpoint/2010/main" val="1131749184"/>
       </p:ext>
     </p:extLst>
   </p:cSld>
@@ -4387,6 +4547,29 @@
       </p:grpSpPr>
       <p:sp>
         <p:nvSpPr>
+          <p:cNvPr id="2" name="Title 1"/>
+          <p:cNvSpPr>
+            <a:spLocks noGrp="1"/>
+          </p:cNvSpPr>
+          <p:nvPr>
+            <p:ph type="title"/>
+          </p:nvPr>
+        </p:nvSpPr>
+        <p:spPr/>
+        <p:txBody>
+          <a:bodyPr/>
+          <a:lstStyle/>
+          <a:p>
+            <a:r>
+              <a:rPr lang="en-US" dirty="0" err="1" smtClean="0"/>
+              <a:t>Motivacional</a:t>
+            </a:r>
+            <a:endParaRPr lang="en-US" dirty="0"/>
+          </a:p>
+        </p:txBody>
+      </p:sp>
+      <p:sp>
+        <p:nvSpPr>
           <p:cNvPr id="3" name="Content Placeholder 2"/>
           <p:cNvSpPr>
             <a:spLocks noGrp="1"/>
@@ -4395,107 +4578,43 @@
             <p:ph idx="1"/>
           </p:nvPr>
         </p:nvSpPr>
-        <p:spPr>
-          <a:xfrm>
-            <a:off x="457200" y="1750886"/>
-            <a:ext cx="8229600" cy="2317486"/>
-          </a:xfrm>
-        </p:spPr>
-        <p:txBody>
-          <a:bodyPr/>
-          <a:lstStyle/>
-          <a:p>
-            <a:r>
-              <a:rPr lang="uz-Cyrl-UZ" dirty="0" smtClean="0"/>
-              <a:t>Representa o papel de um indivíduo, time ou organização interessado nos </a:t>
-            </a:r>
-            <a:r>
-              <a:rPr lang="uz-Cyrl-UZ" i="1" dirty="0" smtClean="0"/>
-              <a:t>outcomes</a:t>
-            </a:r>
-            <a:r>
-              <a:rPr lang="uz-Cyrl-UZ" dirty="0" smtClean="0"/>
-              <a:t> da arquitetura</a:t>
-            </a:r>
-            <a:endParaRPr lang="pt-BR" dirty="0"/>
-          </a:p>
-        </p:txBody>
-      </p:sp>
-      <p:sp>
-        <p:nvSpPr>
-          <p:cNvPr id="10" name="Title 9"/>
-          <p:cNvSpPr txBox="1">
-            <a:spLocks noGrp="1"/>
-          </p:cNvSpPr>
-          <p:nvPr>
-            <p:ph type="title"/>
-          </p:nvPr>
-        </p:nvSpPr>
-        <p:spPr>
-          <a:xfrm>
-            <a:off x="457200" y="250279"/>
-            <a:ext cx="8229600" cy="769441"/>
-          </a:xfrm>
-          <a:prstGeom prst="rect">
-            <a:avLst/>
-          </a:prstGeom>
-          <a:noFill/>
-        </p:spPr>
-        <p:txBody>
-          <a:bodyPr wrap="square" rtlCol="0">
-            <a:spAutoFit/>
-          </a:bodyPr>
-          <a:lstStyle/>
-          <a:p>
-            <a:r>
-              <a:rPr lang="uz-Cyrl-UZ" i="1" dirty="0" smtClean="0"/>
-              <a:t>Stakeholder </a:t>
-            </a:r>
-            <a:endParaRPr lang="en-US" dirty="0"/>
-          </a:p>
-        </p:txBody>
-      </p:sp>
-      <p:pic>
-        <p:nvPicPr>
-          <p:cNvPr id="7" name="image101.png"/>
-          <p:cNvPicPr/>
-          <p:nvPr/>
-        </p:nvPicPr>
-        <p:blipFill>
-          <a:blip r:embed="rId2"/>
-          <a:srcRect/>
-          <a:stretch>
-            <a:fillRect/>
-          </a:stretch>
-        </p:blipFill>
-        <p:spPr>
-          <a:xfrm>
-            <a:off x="3014403" y="4068372"/>
-            <a:ext cx="3101676" cy="1467969"/>
-          </a:xfrm>
-          <a:prstGeom prst="rect">
-            <a:avLst/>
-          </a:prstGeom>
-          <a:ln/>
-        </p:spPr>
-      </p:pic>
+        <p:spPr/>
+        <p:txBody>
+          <a:bodyPr/>
+          <a:lstStyle/>
+          <a:p>
+            <a:r>
+              <a:rPr lang="pt-BR" dirty="0" smtClean="0"/>
+              <a:t>Os elementos de motivação são usados para modelar as motivações ou razões que orientam o design ou as mudanças da Arquitetura</a:t>
+            </a:r>
+          </a:p>
+          <a:p>
+            <a:r>
+              <a:rPr lang="pt-BR" dirty="0" smtClean="0"/>
+              <a:t>Representa a coluna “Por que?” do </a:t>
+            </a:r>
+            <a:r>
+              <a:rPr lang="pt-BR" i="1" dirty="0" err="1" smtClean="0"/>
+              <a:t>Zachman</a:t>
+            </a:r>
+            <a:r>
+              <a:rPr lang="pt-BR" i="1" dirty="0" smtClean="0"/>
+              <a:t> Framework</a:t>
+            </a:r>
+            <a:endParaRPr lang="en-US" i="1" dirty="0"/>
+          </a:p>
+        </p:txBody>
+      </p:sp>
     </p:spTree>
     <p:extLst>
       <p:ext uri="{BB962C8B-B14F-4D97-AF65-F5344CB8AC3E}">
-        <p14:creationId xmlns:p14="http://schemas.microsoft.com/office/powerpoint/2010/main" val="2751795892"/>
+        <p14:creationId xmlns:p14="http://schemas.microsoft.com/office/powerpoint/2010/main" val="2231704448"/>
       </p:ext>
     </p:extLst>
   </p:cSld>
   <p:clrMapOvr>
     <a:masterClrMapping/>
   </p:clrMapOvr>
-  <p:timing>
-    <p:tnLst>
-      <p:par>
-        <p:cTn xmlns:p14="http://schemas.microsoft.com/office/powerpoint/2010/main" id="1" dur="indefinite" restart="never" nodeType="tmRoot"/>
-      </p:par>
-    </p:tnLst>
-  </p:timing>
 </p:sld>
 </file>
 
@@ -4538,7 +4657,15 @@
           <a:p>
             <a:r>
               <a:rPr lang="uz-Cyrl-UZ" dirty="0" smtClean="0"/>
-              <a:t>Representa uma condição interna ou externa que motiva uma organização a definir suas metas e as mudanças que devem ser implementadas para chegar até ela</a:t>
+              <a:t>Representa o papel de um indivíduo, time ou organização interessado nos </a:t>
+            </a:r>
+            <a:r>
+              <a:rPr lang="uz-Cyrl-UZ" i="1" dirty="0" smtClean="0"/>
+              <a:t>outcomes</a:t>
+            </a:r>
+            <a:r>
+              <a:rPr lang="uz-Cyrl-UZ" dirty="0" smtClean="0"/>
+              <a:t> da arquitetura</a:t>
             </a:r>
             <a:endParaRPr lang="pt-BR" dirty="0"/>
           </a:p>
@@ -4572,7 +4699,7 @@
           <a:p>
             <a:r>
               <a:rPr lang="uz-Cyrl-UZ" i="1" dirty="0" smtClean="0"/>
-              <a:t>Driver </a:t>
+              <a:t>Stakeholder </a:t>
             </a:r>
             <a:endParaRPr lang="en-US" dirty="0"/>
           </a:p>
@@ -4580,7 +4707,7 @@
       </p:sp>
       <p:pic>
         <p:nvPicPr>
-          <p:cNvPr id="5" name="image125.png"/>
+          <p:cNvPr id="7" name="image101.png"/>
           <p:cNvPicPr/>
           <p:nvPr/>
         </p:nvPicPr>
@@ -4593,8 +4720,8 @@
         </p:blipFill>
         <p:spPr>
           <a:xfrm>
-            <a:off x="3013163" y="4068372"/>
-            <a:ext cx="3106203" cy="1479144"/>
+            <a:off x="3014403" y="4068372"/>
+            <a:ext cx="3101676" cy="1467969"/>
           </a:xfrm>
           <a:prstGeom prst="rect">
             <a:avLst/>
@@ -4605,7 +4732,7 @@
     </p:spTree>
     <p:extLst>
       <p:ext uri="{BB962C8B-B14F-4D97-AF65-F5344CB8AC3E}">
-        <p14:creationId xmlns:p14="http://schemas.microsoft.com/office/powerpoint/2010/main" val="1601435010"/>
+        <p14:creationId xmlns:p14="http://schemas.microsoft.com/office/powerpoint/2010/main" val="2751795892"/>
       </p:ext>
     </p:extLst>
   </p:cSld>
@@ -4661,11 +4788,7 @@
           <a:p>
             <a:r>
               <a:rPr lang="uz-Cyrl-UZ" dirty="0" smtClean="0"/>
-              <a:t>Indica o resultado de uma avaliação do estado atual da organização a respeito do que motiva ela (</a:t>
-            </a:r>
-            <a:r>
-              <a:rPr lang="uz-Cyrl-UZ" i="1" dirty="0" smtClean="0"/>
-              <a:t>Driver)</a:t>
+              <a:t>Representa uma condição interna ou externa que motiva uma organização a definir suas metas e as mudanças que devem ser implementadas para chegar até ela</a:t>
             </a:r>
             <a:endParaRPr lang="pt-BR" dirty="0"/>
           </a:p>
@@ -4699,7 +4822,7 @@
           <a:p>
             <a:r>
               <a:rPr lang="uz-Cyrl-UZ" i="1" dirty="0" smtClean="0"/>
-              <a:t>Assessment </a:t>
+              <a:t>Driver </a:t>
             </a:r>
             <a:endParaRPr lang="en-US" dirty="0"/>
           </a:p>
@@ -4707,7 +4830,7 @@
       </p:sp>
       <p:pic>
         <p:nvPicPr>
-          <p:cNvPr id="6" name="image17.png"/>
+          <p:cNvPr id="5" name="image125.png"/>
           <p:cNvPicPr/>
           <p:nvPr/>
         </p:nvPicPr>
@@ -4720,8 +4843,8 @@
         </p:blipFill>
         <p:spPr>
           <a:xfrm>
-            <a:off x="3014403" y="4068371"/>
-            <a:ext cx="3114658" cy="1474113"/>
+            <a:off x="3013163" y="4068372"/>
+            <a:ext cx="3106203" cy="1479144"/>
           </a:xfrm>
           <a:prstGeom prst="rect">
             <a:avLst/>
@@ -4732,7 +4855,7 @@
     </p:spTree>
     <p:extLst>
       <p:ext uri="{BB962C8B-B14F-4D97-AF65-F5344CB8AC3E}">
-        <p14:creationId xmlns:p14="http://schemas.microsoft.com/office/powerpoint/2010/main" val="3127227592"/>
+        <p14:creationId xmlns:p14="http://schemas.microsoft.com/office/powerpoint/2010/main" val="1601435010"/>
       </p:ext>
     </p:extLst>
   </p:cSld>
@@ -4778,37 +4901,63 @@
         </p:nvSpPr>
         <p:spPr>
           <a:xfrm>
-            <a:off x="457200" y="635034"/>
-            <a:ext cx="8229600" cy="5491129"/>
-          </a:xfrm>
-        </p:spPr>
-        <p:txBody>
-          <a:bodyPr/>
-          <a:lstStyle/>
-          <a:p>
-            <a:r>
-              <a:rPr lang="uz-Cyrl-UZ" i="1" dirty="0"/>
-              <a:t>Assessment - </a:t>
-            </a:r>
-            <a:r>
-              <a:rPr lang="uz-Cyrl-UZ" dirty="0"/>
+            <a:off x="457200" y="1750886"/>
+            <a:ext cx="8229600" cy="2317486"/>
+          </a:xfrm>
+        </p:spPr>
+        <p:txBody>
+          <a:bodyPr/>
+          <a:lstStyle/>
+          <a:p>
+            <a:r>
+              <a:rPr lang="uz-Cyrl-UZ" dirty="0" smtClean="0"/>
               <a:t>Indica o resultado de uma avaliação do estado atual da organização a respeito do que motiva ela (</a:t>
             </a:r>
             <a:r>
-              <a:rPr lang="uz-Cyrl-UZ" i="1" dirty="0"/>
-              <a:t>Driver</a:t>
-            </a:r>
-            <a:r>
               <a:rPr lang="uz-Cyrl-UZ" i="1" dirty="0" smtClean="0"/>
-              <a:t>)</a:t>
+              <a:t>Driver)</a:t>
             </a:r>
             <a:endParaRPr lang="pt-BR" dirty="0"/>
+          </a:p>
+        </p:txBody>
+      </p:sp>
+      <p:sp>
+        <p:nvSpPr>
+          <p:cNvPr id="10" name="Title 9"/>
+          <p:cNvSpPr txBox="1">
+            <a:spLocks noGrp="1"/>
+          </p:cNvSpPr>
+          <p:nvPr>
+            <p:ph type="title"/>
+          </p:nvPr>
+        </p:nvSpPr>
+        <p:spPr>
+          <a:xfrm>
+            <a:off x="457200" y="250279"/>
+            <a:ext cx="8229600" cy="769441"/>
+          </a:xfrm>
+          <a:prstGeom prst="rect">
+            <a:avLst/>
+          </a:prstGeom>
+          <a:noFill/>
+        </p:spPr>
+        <p:txBody>
+          <a:bodyPr wrap="square" rtlCol="0">
+            <a:spAutoFit/>
+          </a:bodyPr>
+          <a:lstStyle/>
+          <a:p>
+            <a:r>
+              <a:rPr lang="uz-Cyrl-UZ" i="1" dirty="0" smtClean="0"/>
+              <a:t>Assessment </a:t>
+            </a:r>
+            <a:endParaRPr lang="en-US" dirty="0"/>
           </a:p>
         </p:txBody>
       </p:sp>
       <p:pic>
         <p:nvPicPr>
-          <p:cNvPr id="5" name="image17.png"/>
+          <p:cNvPr id="6" name="image17.png"/>
           <p:cNvPicPr/>
           <p:nvPr/>
         </p:nvPicPr>
@@ -4821,8 +4970,8 @@
         </p:blipFill>
         <p:spPr>
           <a:xfrm>
-            <a:off x="3740150" y="3035300"/>
-            <a:ext cx="1663700" cy="787400"/>
+            <a:off x="3014403" y="4068371"/>
+            <a:ext cx="3114658" cy="1474113"/>
           </a:xfrm>
           <a:prstGeom prst="rect">
             <a:avLst/>
@@ -4833,13 +4982,20 @@
     </p:spTree>
     <p:extLst>
       <p:ext uri="{BB962C8B-B14F-4D97-AF65-F5344CB8AC3E}">
-        <p14:creationId xmlns:p14="http://schemas.microsoft.com/office/powerpoint/2010/main" val="1904404318"/>
+        <p14:creationId xmlns:p14="http://schemas.microsoft.com/office/powerpoint/2010/main" val="3127227592"/>
       </p:ext>
     </p:extLst>
   </p:cSld>
   <p:clrMapOvr>
     <a:masterClrMapping/>
   </p:clrMapOvr>
+  <p:timing>
+    <p:tnLst>
+      <p:par>
+        <p:cTn xmlns:p14="http://schemas.microsoft.com/office/powerpoint/2010/main" id="1" dur="indefinite" restart="never" nodeType="tmRoot"/>
+      </p:par>
+    </p:tnLst>
+  </p:timing>
 </p:sld>
 </file>
 
@@ -4975,6 +5131,13 @@
   <p:clrMapOvr>
     <a:masterClrMapping/>
   </p:clrMapOvr>
+  <p:timing>
+    <p:tnLst>
+      <p:par>
+        <p:cTn xmlns:p14="http://schemas.microsoft.com/office/powerpoint/2010/main" id="1" dur="indefinite" restart="never" nodeType="tmRoot"/>
+      </p:par>
+    </p:tnLst>
+  </p:timing>
 </p:sld>
 </file>
 
@@ -5007,27 +5170,57 @@
         </p:nvSpPr>
         <p:spPr>
           <a:xfrm>
-            <a:off x="457200" y="635034"/>
-            <a:ext cx="8229600" cy="5491129"/>
-          </a:xfrm>
-        </p:spPr>
-        <p:txBody>
-          <a:bodyPr/>
-          <a:lstStyle/>
-          <a:p>
-            <a:r>
-              <a:rPr lang="uz-Cyrl-UZ" i="1" dirty="0"/>
-              <a:t>Goal </a:t>
-            </a:r>
-            <a:r>
-              <a:rPr lang="uz-Cyrl-UZ" dirty="0"/>
-              <a:t>- Indica a intenção, direção ou estado desejado de uma organização e seus </a:t>
+            <a:off x="457200" y="1750886"/>
+            <a:ext cx="8229600" cy="2317486"/>
+          </a:xfrm>
+        </p:spPr>
+        <p:txBody>
+          <a:bodyPr/>
+          <a:lstStyle/>
+          <a:p>
+            <a:r>
+              <a:rPr lang="uz-Cyrl-UZ" dirty="0" smtClean="0"/>
+              <a:t>Indica a intenção, direção ou estado desejado de uma organização e seus </a:t>
             </a:r>
             <a:r>
               <a:rPr lang="uz-Cyrl-UZ" i="1" dirty="0" smtClean="0"/>
               <a:t>stakeholders</a:t>
             </a:r>
             <a:endParaRPr lang="pt-BR" dirty="0"/>
+          </a:p>
+        </p:txBody>
+      </p:sp>
+      <p:sp>
+        <p:nvSpPr>
+          <p:cNvPr id="10" name="Title 9"/>
+          <p:cNvSpPr txBox="1">
+            <a:spLocks noGrp="1"/>
+          </p:cNvSpPr>
+          <p:nvPr>
+            <p:ph type="title"/>
+          </p:nvPr>
+        </p:nvSpPr>
+        <p:spPr>
+          <a:xfrm>
+            <a:off x="457200" y="250279"/>
+            <a:ext cx="8229600" cy="769441"/>
+          </a:xfrm>
+          <a:prstGeom prst="rect">
+            <a:avLst/>
+          </a:prstGeom>
+          <a:noFill/>
+        </p:spPr>
+        <p:txBody>
+          <a:bodyPr wrap="square" rtlCol="0">
+            <a:spAutoFit/>
+          </a:bodyPr>
+          <a:lstStyle/>
+          <a:p>
+            <a:r>
+              <a:rPr lang="uz-Cyrl-UZ" i="1" dirty="0" smtClean="0"/>
+              <a:t>Goal </a:t>
+            </a:r>
+            <a:endParaRPr lang="en-US" dirty="0"/>
           </a:p>
         </p:txBody>
       </p:sp>
@@ -5046,8 +5239,8 @@
         </p:blipFill>
         <p:spPr>
           <a:xfrm>
-            <a:off x="3797300" y="3086100"/>
-            <a:ext cx="1549400" cy="685800"/>
+            <a:off x="3014404" y="4068372"/>
+            <a:ext cx="3114658" cy="1474113"/>
           </a:xfrm>
           <a:prstGeom prst="rect">
             <a:avLst/>
@@ -5058,13 +5251,20 @@
     </p:spTree>
     <p:extLst>
       <p:ext uri="{BB962C8B-B14F-4D97-AF65-F5344CB8AC3E}">
-        <p14:creationId xmlns:p14="http://schemas.microsoft.com/office/powerpoint/2010/main" val="1877217160"/>
+        <p14:creationId xmlns:p14="http://schemas.microsoft.com/office/powerpoint/2010/main" val="3162932762"/>
       </p:ext>
     </p:extLst>
   </p:cSld>
   <p:clrMapOvr>
     <a:masterClrMapping/>
   </p:clrMapOvr>
+  <p:timing>
+    <p:tnLst>
+      <p:par>
+        <p:cTn xmlns:p14="http://schemas.microsoft.com/office/powerpoint/2010/main" id="1" dur="indefinite" restart="never" nodeType="tmRoot"/>
+      </p:par>
+    </p:tnLst>
+  </p:timing>
 </p:sld>
 </file>
 
